--- a/Machine learning disease prediction.pptx
+++ b/Machine learning disease prediction.pptx
@@ -14,8 +14,9 @@
     <p:sldId id="320" r:id="rId8"/>
     <p:sldId id="321" r:id="rId9"/>
     <p:sldId id="322" r:id="rId10"/>
-    <p:sldId id="264" r:id="rId11"/>
-    <p:sldId id="313" r:id="rId12"/>
+    <p:sldId id="323" r:id="rId11"/>
+    <p:sldId id="264" r:id="rId12"/>
+    <p:sldId id="313" r:id="rId13"/>
   </p:sldIdLst>
   <p:sldSz cx="12192000" cy="6858000"/>
   <p:notesSz cx="6858000" cy="9144000"/>
@@ -174,7 +175,7 @@
           <a:p>
             <a:fld id="{6E545D05-EDCD-41E5-A23C-8E856845C452}" type="datetimeFigureOut">
               <a:rPr lang="en-US" smtClean="0"/>
-              <a:t>3/29/2024</a:t>
+              <a:t>3/30/2024</a:t>
             </a:fld>
             <a:endParaRPr lang="en-US"/>
           </a:p>
@@ -11656,7 +11657,7 @@
             <a:fld id="{6E545D05-EDCD-41E5-A23C-8E856845C452}" type="datetimeFigureOut">
               <a:rPr lang="en-US" smtClean="0"/>
               <a:pPr/>
-              <a:t>3/29/2024</a:t>
+              <a:t>3/30/2024</a:t>
             </a:fld>
             <a:endParaRPr lang="en-US"/>
           </a:p>
@@ -12255,6 +12256,273 @@
       </p:grpSpPr>
       <p:sp>
         <p:nvSpPr>
+          <p:cNvPr id="5" name="TextBox 4">
+            <a:extLst>
+              <a:ext uri="{FF2B5EF4-FFF2-40B4-BE49-F238E27FC236}">
+                <a16:creationId xmlns:a16="http://schemas.microsoft.com/office/drawing/2014/main" id="{00179A4C-2177-1547-87BE-3ADB7EEFD468}"/>
+              </a:ext>
+            </a:extLst>
+          </p:cNvPr>
+          <p:cNvSpPr txBox="1"/>
+          <p:nvPr/>
+        </p:nvSpPr>
+        <p:spPr>
+          <a:xfrm>
+            <a:off x="1023507" y="1720840"/>
+            <a:ext cx="5549245" cy="3416320"/>
+          </a:xfrm>
+          <a:prstGeom prst="rect">
+            <a:avLst/>
+          </a:prstGeom>
+          <a:noFill/>
+        </p:spPr>
+        <p:txBody>
+          <a:bodyPr wrap="square" rtlCol="0">
+            <a:spAutoFit/>
+          </a:bodyPr>
+          <a:lstStyle/>
+          <a:p>
+            <a:pPr algn="l"/>
+            <a:r>
+              <a:rPr lang="en-US" b="1" i="0" dirty="0">
+                <a:solidFill>
+                  <a:srgbClr val="0D0D0D"/>
+                </a:solidFill>
+                <a:effectLst/>
+                <a:latin typeface="Söhne"/>
+              </a:rPr>
+              <a:t>5. Training and </a:t>
+            </a:r>
+            <a:r>
+              <a:rPr lang="en-US" b="1" dirty="0">
+                <a:solidFill>
+                  <a:srgbClr val="0D0D0D"/>
+                </a:solidFill>
+                <a:latin typeface="Söhne"/>
+              </a:rPr>
+              <a:t>Building the Model</a:t>
+            </a:r>
+            <a:r>
+              <a:rPr lang="en-US" b="1" i="0" dirty="0">
+                <a:solidFill>
+                  <a:srgbClr val="0D0D0D"/>
+                </a:solidFill>
+                <a:effectLst/>
+                <a:latin typeface="Söhne"/>
+              </a:rPr>
+              <a:t>:</a:t>
+            </a:r>
+          </a:p>
+          <a:p>
+            <a:pPr algn="l"/>
+            <a:endParaRPr lang="en-US" b="1" dirty="0">
+              <a:solidFill>
+                <a:srgbClr val="0D0D0D"/>
+              </a:solidFill>
+              <a:latin typeface="Söhne"/>
+            </a:endParaRPr>
+          </a:p>
+          <a:p>
+            <a:pPr marL="0" marR="0" lvl="0" indent="0" algn="l" defTabSz="914400" rtl="0" eaLnBrk="1" fontAlgn="auto" latinLnBrk="0" hangingPunct="1">
+              <a:lnSpc>
+                <a:spcPct val="100000"/>
+              </a:lnSpc>
+              <a:spcBef>
+                <a:spcPts val="0"/>
+              </a:spcBef>
+              <a:spcAft>
+                <a:spcPts val="0"/>
+              </a:spcAft>
+              <a:buClrTx/>
+              <a:buSzTx/>
+              <a:buFont typeface="Arial" panose="020B0604020202020204" pitchFamily="34" charset="0"/>
+              <a:buChar char="•"/>
+              <a:tabLst/>
+              <a:defRPr/>
+            </a:pPr>
+            <a:r>
+              <a:rPr kumimoji="0" lang="en-US" b="0" i="0" u="none" strike="noStrike" kern="1200" cap="none" spc="0" normalizeH="0" baseline="0" noProof="0" dirty="0">
+                <a:ln>
+                  <a:noFill/>
+                </a:ln>
+                <a:solidFill>
+                  <a:srgbClr val="0D0D0D"/>
+                </a:solidFill>
+                <a:effectLst/>
+                <a:uLnTx/>
+                <a:uFillTx/>
+                <a:latin typeface="Söhne"/>
+                <a:ea typeface="+mn-ea"/>
+                <a:cs typeface="+mn-cs"/>
+              </a:rPr>
+              <a:t>Once have the data suitable for the model, we split the data into a training data and a test data so that we can build the model.</a:t>
+            </a:r>
+          </a:p>
+          <a:p>
+            <a:pPr marL="0" marR="0" lvl="0" indent="0" algn="l" defTabSz="914400" rtl="0" eaLnBrk="1" fontAlgn="auto" latinLnBrk="0" hangingPunct="1">
+              <a:lnSpc>
+                <a:spcPct val="100000"/>
+              </a:lnSpc>
+              <a:spcBef>
+                <a:spcPts val="0"/>
+              </a:spcBef>
+              <a:spcAft>
+                <a:spcPts val="0"/>
+              </a:spcAft>
+              <a:buClrTx/>
+              <a:buSzTx/>
+              <a:buFont typeface="Arial" panose="020B0604020202020204" pitchFamily="34" charset="0"/>
+              <a:buChar char="•"/>
+              <a:tabLst/>
+              <a:defRPr/>
+            </a:pPr>
+            <a:r>
+              <a:rPr lang="en-US" dirty="0">
+                <a:solidFill>
+                  <a:srgbClr val="0D0D0D"/>
+                </a:solidFill>
+                <a:latin typeface="Söhne"/>
+              </a:rPr>
+              <a:t>Splitting the data is the crucial part for training the model. It help the model to separate the data set into two parts for training and for testing.</a:t>
+            </a:r>
+          </a:p>
+          <a:p>
+            <a:pPr marL="0" marR="0" lvl="0" indent="0" algn="l" defTabSz="914400" rtl="0" eaLnBrk="1" fontAlgn="auto" latinLnBrk="0" hangingPunct="1">
+              <a:lnSpc>
+                <a:spcPct val="100000"/>
+              </a:lnSpc>
+              <a:spcBef>
+                <a:spcPts val="0"/>
+              </a:spcBef>
+              <a:spcAft>
+                <a:spcPts val="0"/>
+              </a:spcAft>
+              <a:buClrTx/>
+              <a:buSzTx/>
+              <a:buFont typeface="Arial" panose="020B0604020202020204" pitchFamily="34" charset="0"/>
+              <a:buChar char="•"/>
+              <a:tabLst/>
+              <a:defRPr/>
+            </a:pPr>
+            <a:r>
+              <a:rPr kumimoji="0" lang="en-US" b="0" i="0" u="none" strike="noStrike" kern="1200" cap="none" spc="0" normalizeH="0" baseline="0" noProof="0" dirty="0">
+                <a:ln>
+                  <a:noFill/>
+                </a:ln>
+                <a:solidFill>
+                  <a:srgbClr val="0D0D0D"/>
+                </a:solidFill>
+                <a:effectLst/>
+                <a:uLnTx/>
+                <a:uFillTx/>
+                <a:latin typeface="Söhne"/>
+                <a:ea typeface="+mn-ea"/>
+                <a:cs typeface="+mn-cs"/>
+              </a:rPr>
+              <a:t>Then </a:t>
+            </a:r>
+            <a:r>
+              <a:rPr lang="en-US" dirty="0">
+                <a:solidFill>
+                  <a:srgbClr val="0D0D0D"/>
+                </a:solidFill>
+                <a:latin typeface="Söhne"/>
+              </a:rPr>
+              <a:t>after splitting the data we can start training the model and continue building it so that we can use the model to predict the chronic disease.</a:t>
+            </a:r>
+            <a:endParaRPr kumimoji="0" lang="en-US" b="0" i="0" u="none" strike="noStrike" kern="1200" cap="none" spc="0" normalizeH="0" baseline="0" noProof="0" dirty="0">
+              <a:ln>
+                <a:noFill/>
+              </a:ln>
+              <a:solidFill>
+                <a:srgbClr val="0D0D0D"/>
+              </a:solidFill>
+              <a:effectLst/>
+              <a:uLnTx/>
+              <a:uFillTx/>
+              <a:latin typeface="Söhne"/>
+              <a:ea typeface="+mn-ea"/>
+              <a:cs typeface="+mn-cs"/>
+            </a:endParaRPr>
+          </a:p>
+          <a:p>
+            <a:pPr algn="l"/>
+            <a:endParaRPr lang="en-US" b="0" i="0" dirty="0">
+              <a:solidFill>
+                <a:srgbClr val="0D0D0D"/>
+              </a:solidFill>
+              <a:effectLst/>
+              <a:latin typeface="Söhne"/>
+            </a:endParaRPr>
+          </a:p>
+        </p:txBody>
+      </p:sp>
+      <p:pic>
+        <p:nvPicPr>
+          <p:cNvPr id="10" name="Picture Placeholder 9">
+            <a:extLst>
+              <a:ext uri="{FF2B5EF4-FFF2-40B4-BE49-F238E27FC236}">
+                <a16:creationId xmlns:a16="http://schemas.microsoft.com/office/drawing/2014/main" id="{66FD8B12-8FF3-4F06-BDF2-0D18A9B2AF2B}"/>
+              </a:ext>
+            </a:extLst>
+          </p:cNvPr>
+          <p:cNvPicPr>
+            <a:picLocks noGrp="1" noChangeAspect="1"/>
+          </p:cNvPicPr>
+          <p:nvPr>
+            <p:ph type="pic" sz="quarter" idx="10"/>
+          </p:nvPr>
+        </p:nvPicPr>
+        <p:blipFill>
+          <a:blip r:embed="rId2">
+            <a:extLst>
+              <a:ext uri="{28A0092B-C50C-407E-A947-70E740481C1C}">
+                <a14:useLocalDpi xmlns:a14="http://schemas.microsoft.com/office/drawing/2010/main" val="0"/>
+              </a:ext>
+            </a:extLst>
+          </a:blip>
+          <a:srcRect l="13380" r="13380"/>
+          <a:stretch/>
+        </p:blipFill>
+        <p:spPr>
+          <a:xfrm flipH="1">
+            <a:off x="7143750" y="0"/>
+            <a:ext cx="5022850" cy="6858000"/>
+          </a:xfrm>
+        </p:spPr>
+      </p:pic>
+    </p:spTree>
+    <p:extLst>
+      <p:ext uri="{BB962C8B-B14F-4D97-AF65-F5344CB8AC3E}">
+        <p14:creationId xmlns:p14="http://schemas.microsoft.com/office/powerpoint/2010/main" val="2329399882"/>
+      </p:ext>
+    </p:extLst>
+  </p:cSld>
+  <p:clrMapOvr>
+    <a:masterClrMapping/>
+  </p:clrMapOvr>
+</p:sld>
+</file>
+
+<file path=ppt/slides/slide11.xml><?xml version="1.0" encoding="utf-8"?>
+<p:sld xmlns:a="http://schemas.openxmlformats.org/drawingml/2006/main" xmlns:r="http://schemas.openxmlformats.org/officeDocument/2006/relationships" xmlns:p="http://schemas.openxmlformats.org/presentationml/2006/main">
+  <p:cSld>
+    <p:spTree>
+      <p:nvGrpSpPr>
+        <p:cNvPr id="1" name=""/>
+        <p:cNvGrpSpPr/>
+        <p:nvPr/>
+      </p:nvGrpSpPr>
+      <p:grpSpPr>
+        <a:xfrm>
+          <a:off x="0" y="0"/>
+          <a:ext cx="0" cy="0"/>
+          <a:chOff x="0" y="0"/>
+          <a:chExt cx="0" cy="0"/>
+        </a:xfrm>
+      </p:grpSpPr>
+      <p:sp>
+        <p:nvSpPr>
           <p:cNvPr id="2" name="TextBox 1">
             <a:extLst>
               <a:ext uri="{FF2B5EF4-FFF2-40B4-BE49-F238E27FC236}">
@@ -12518,7 +12786,7 @@
 </p:sld>
 </file>
 
-<file path=ppt/slides/slide11.xml><?xml version="1.0" encoding="utf-8"?>
+<file path=ppt/slides/slide12.xml><?xml version="1.0" encoding="utf-8"?>
 <p:sld xmlns:a="http://schemas.openxmlformats.org/drawingml/2006/main" xmlns:r="http://schemas.openxmlformats.org/officeDocument/2006/relationships" xmlns:p="http://schemas.openxmlformats.org/presentationml/2006/main">
   <p:cSld>
     <p:spTree>
@@ -14004,13 +14272,13 @@
   <p:clrMapOvr>
     <a:masterClrMapping/>
   </p:clrMapOvr>
-  <mc:AlternateContent xmlns:mc="http://schemas.openxmlformats.org/markup-compatibility/2006">
-    <mc:Choice xmlns:p159="http://schemas.microsoft.com/office/powerpoint/2015/09/main" Requires="p159">
+  <mc:AlternateContent xmlns:mc="http://schemas.openxmlformats.org/markup-compatibility/2006" xmlns:p159="http://schemas.microsoft.com/office/powerpoint/2015/09/main">
+    <mc:Choice Requires="p159">
       <p:transition xmlns:p14="http://schemas.microsoft.com/office/powerpoint/2010/main" spd="slow" p14:dur="2000">
         <p159:morph option="byObject"/>
       </p:transition>
     </mc:Choice>
-    <mc:Fallback>
+    <mc:Fallback xmlns="">
       <p:transition spd="slow">
         <p:fade/>
       </p:transition>
@@ -14193,13 +14461,13 @@
   <p:clrMapOvr>
     <a:masterClrMapping/>
   </p:clrMapOvr>
-  <mc:AlternateContent xmlns:mc="http://schemas.openxmlformats.org/markup-compatibility/2006">
-    <mc:Choice xmlns:p159="http://schemas.microsoft.com/office/powerpoint/2015/09/main" Requires="p159">
+  <mc:AlternateContent xmlns:mc="http://schemas.openxmlformats.org/markup-compatibility/2006" xmlns:p159="http://schemas.microsoft.com/office/powerpoint/2015/09/main">
+    <mc:Choice Requires="p159">
       <p:transition xmlns:p14="http://schemas.microsoft.com/office/powerpoint/2010/main" spd="slow" p14:dur="2000">
         <p159:morph option="byObject"/>
       </p:transition>
     </mc:Choice>
-    <mc:Fallback>
+    <mc:Fallback xmlns="">
       <p:transition spd="slow">
         <p:fade/>
       </p:transition>
@@ -14366,13 +14634,13 @@
   <p:clrMapOvr>
     <a:masterClrMapping/>
   </p:clrMapOvr>
-  <mc:AlternateContent xmlns:mc="http://schemas.openxmlformats.org/markup-compatibility/2006">
-    <mc:Choice xmlns:p159="http://schemas.microsoft.com/office/powerpoint/2015/09/main" Requires="p159">
+  <mc:AlternateContent xmlns:mc="http://schemas.openxmlformats.org/markup-compatibility/2006" xmlns:p159="http://schemas.microsoft.com/office/powerpoint/2015/09/main">
+    <mc:Choice Requires="p159">
       <p:transition xmlns:p14="http://schemas.microsoft.com/office/powerpoint/2010/main" spd="slow" p14:dur="2000">
         <p159:morph option="byObject"/>
       </p:transition>
     </mc:Choice>
-    <mc:Fallback>
+    <mc:Fallback xmlns="">
       <p:transition spd="slow">
         <p:fade/>
       </p:transition>
@@ -14596,13 +14864,13 @@
   <p:clrMapOvr>
     <a:masterClrMapping/>
   </p:clrMapOvr>
-  <mc:AlternateContent xmlns:mc="http://schemas.openxmlformats.org/markup-compatibility/2006">
-    <mc:Choice xmlns:p159="http://schemas.microsoft.com/office/powerpoint/2015/09/main" Requires="p159">
+  <mc:AlternateContent xmlns:mc="http://schemas.openxmlformats.org/markup-compatibility/2006" xmlns:p159="http://schemas.microsoft.com/office/powerpoint/2015/09/main">
+    <mc:Choice Requires="p159">
       <p:transition xmlns:p14="http://schemas.microsoft.com/office/powerpoint/2010/main" spd="slow" p14:dur="2000">
         <p159:morph option="byObject"/>
       </p:transition>
     </mc:Choice>
-    <mc:Fallback>
+    <mc:Fallback xmlns="">
       <p:transition spd="slow">
         <p:fade/>
       </p:transition>
